--- a/PPT/ALL CUP FIFA.pptx
+++ b/PPT/ALL CUP FIFA.pptx
@@ -25097,8 +25097,8 @@
         </p:blipFill>
         <p:spPr>
           <a:xfrm>
-            <a:off x="1314725" y="1397975"/>
-            <a:ext cx="9238975" cy="4730565"/>
+            <a:off x="1337305" y="1411111"/>
+            <a:ext cx="8706876" cy="4639733"/>
           </a:xfrm>
           <a:prstGeom prst="rect">
             <a:avLst/>
